--- a/agile moves/Vision (VIS)/ger_VIS_05_wie_satt_gehe_ich_ins_bett.pptx
+++ b/agile moves/Vision (VIS)/ger_VIS_05_wie_satt_gehe_ich_ins_bett.pptx
@@ -755,7 +755,7 @@
           <a:p>
             <a:fld id="{FF5B2BAF-DF38-0A48-A798-0C06E514FD52}" type="datetimeFigureOut">
               <a:rPr lang="de-DE" smtClean="0"/>
-              <a:t>17/06/15</a:t>
+              <a:t>18.06.15</a:t>
             </a:fld>
             <a:endParaRPr lang="de-DE" dirty="0"/>
           </a:p>
@@ -978,7 +978,7 @@
           <a:p>
             <a:fld id="{FF5B2BAF-DF38-0A48-A798-0C06E514FD52}" type="datetimeFigureOut">
               <a:rPr lang="de-DE" smtClean="0"/>
-              <a:t>17/06/15</a:t>
+              <a:t>18.06.15</a:t>
             </a:fld>
             <a:endParaRPr lang="de-DE" dirty="0"/>
           </a:p>
@@ -1628,7 +1628,15 @@
           <a:p>
             <a:r>
               <a:rPr lang="de-DE" dirty="0" smtClean="0"/>
-              <a:t>Wie satt gehe ins Bett?</a:t>
+              <a:t>Wie satt </a:t>
+            </a:r>
+            <a:r>
+              <a:rPr lang="de-DE" dirty="0" smtClean="0"/>
+              <a:t>ich gehe </a:t>
+            </a:r>
+            <a:r>
+              <a:rPr lang="de-DE" dirty="0" smtClean="0"/>
+              <a:t>ins Bett?</a:t>
             </a:r>
             <a:endParaRPr lang="de-DE" dirty="0"/>
           </a:p>
@@ -1646,9 +1654,19 @@
         </p:nvSpPr>
         <p:spPr/>
         <p:txBody>
-          <a:bodyPr/>
+          <a:bodyPr>
+            <a:normAutofit/>
+          </a:bodyPr>
           <a:lstStyle/>
           <a:p>
+            <a:pPr>
+              <a:lnSpc>
+                <a:spcPts val="1500"/>
+              </a:lnSpc>
+              <a:spcBef>
+                <a:spcPts val="600"/>
+              </a:spcBef>
+            </a:pPr>
             <a:r>
               <a:rPr lang="de-DE" dirty="0"/>
               <a:t>Genauso wie ich meinen Tag mit der Trainingskarte „Warum aufstehen?“ (siehe VIS-03) planen und </a:t>
@@ -1671,6 +1689,14 @@
             </a:r>
           </a:p>
           <a:p>
+            <a:pPr>
+              <a:lnSpc>
+                <a:spcPts val="1500"/>
+              </a:lnSpc>
+              <a:spcBef>
+                <a:spcPts val="600"/>
+              </a:spcBef>
+            </a:pPr>
             <a:r>
               <a:rPr lang="de-DE" dirty="0"/>
               <a:t>Ich kann mich abends fragen, was mich wirklich vorangebracht hat, für was es sich gelohnt hat den Tag zu erleben, was mich meiner Vision näher </a:t>
@@ -1682,6 +1708,14 @@
             <a:endParaRPr lang="de-DE" dirty="0"/>
           </a:p>
           <a:p>
+            <a:pPr>
+              <a:lnSpc>
+                <a:spcPts val="1500"/>
+              </a:lnSpc>
+              <a:spcBef>
+                <a:spcPts val="600"/>
+              </a:spcBef>
+            </a:pPr>
             <a:r>
               <a:rPr lang="de-DE" dirty="0"/>
               <a:t>Der Fokus </a:t>
@@ -1696,6 +1730,14 @@
             </a:r>
           </a:p>
           <a:p>
+            <a:pPr>
+              <a:lnSpc>
+                <a:spcPts val="1500"/>
+              </a:lnSpc>
+              <a:spcBef>
+                <a:spcPts val="600"/>
+              </a:spcBef>
+            </a:pPr>
             <a:r>
               <a:rPr lang="de-DE" dirty="0"/>
               <a:t>Vielleicht machen mich ganz kleine Dinge satt, die weder Zeit noch Mühe </a:t>
@@ -1710,12 +1752,28 @@
             </a:r>
           </a:p>
           <a:p>
+            <a:pPr>
+              <a:lnSpc>
+                <a:spcPts val="1500"/>
+              </a:lnSpc>
+              <a:spcBef>
+                <a:spcPts val="600"/>
+              </a:spcBef>
+            </a:pPr>
             <a:r>
               <a:rPr lang="de-DE" dirty="0"/>
               <a:t>Es geht darum einen Weg zu finden satt zu werden ohne dafür Schuften zu müssen.</a:t>
             </a:r>
           </a:p>
           <a:p>
+            <a:pPr>
+              <a:lnSpc>
+                <a:spcPts val="1500"/>
+              </a:lnSpc>
+              <a:spcBef>
+                <a:spcPts val="600"/>
+              </a:spcBef>
+            </a:pPr>
             <a:r>
               <a:rPr lang="de-DE" dirty="0"/>
               <a:t>Es geht darum eine Wahrnehmung zu generieren, wie ich als Mensch satt werden kann. Satt weil meine Vision ein Teil meines Alltags war, satt weil ich auf meine Bedürfnisse gehört  habe, satt weil mein Leben heute Spaß gemacht hat, satt weil es genügt, was ich an diesem Tag geschafft habe.</a:t>

--- a/agile moves/Vision (VIS)/ger_VIS_05_wie_satt_gehe_ich_ins_bett.pptx
+++ b/agile moves/Vision (VIS)/ger_VIS_05_wie_satt_gehe_ich_ins_bett.pptx
@@ -755,7 +755,7 @@
           <a:p>
             <a:fld id="{FF5B2BAF-DF38-0A48-A798-0C06E514FD52}" type="datetimeFigureOut">
               <a:rPr lang="de-DE" smtClean="0"/>
-              <a:t>18.06.15</a:t>
+              <a:t>06.07.15</a:t>
             </a:fld>
             <a:endParaRPr lang="de-DE" dirty="0"/>
           </a:p>
@@ -978,7 +978,7 @@
           <a:p>
             <a:fld id="{FF5B2BAF-DF38-0A48-A798-0C06E514FD52}" type="datetimeFigureOut">
               <a:rPr lang="de-DE" smtClean="0"/>
-              <a:t>18.06.15</a:t>
+              <a:t>06.07.15</a:t>
             </a:fld>
             <a:endParaRPr lang="de-DE" dirty="0"/>
           </a:p>
@@ -1621,22 +1621,19 @@
             <p:ph type="ctrTitle"/>
           </p:nvPr>
         </p:nvSpPr>
-        <p:spPr/>
+        <p:spPr>
+          <a:xfrm>
+            <a:off x="1166813" y="838750"/>
+            <a:ext cx="4612406" cy="461665"/>
+          </a:xfrm>
+        </p:spPr>
         <p:txBody>
           <a:bodyPr/>
           <a:lstStyle/>
           <a:p>
             <a:r>
               <a:rPr lang="de-DE" dirty="0" smtClean="0"/>
-              <a:t>Wie satt </a:t>
-            </a:r>
-            <a:r>
-              <a:rPr lang="de-DE" dirty="0" smtClean="0"/>
-              <a:t>ich gehe </a:t>
-            </a:r>
-            <a:r>
-              <a:rPr lang="de-DE" dirty="0" smtClean="0"/>
-              <a:t>ins Bett?</a:t>
+              <a:t>Wie satt ich gehe ins Bett?</a:t>
             </a:r>
             <a:endParaRPr lang="de-DE" dirty="0"/>
           </a:p>
